--- a/posters/2024_fall/yanxu_long_241127.pptx
+++ b/posters/2024_fall/yanxu_long_241127.pptx
@@ -254,7 +254,7 @@
       <p15:sldGuideLst xmlns:p15="http://schemas.microsoft.com/office/powerpoint/2012/main"/>
     </p:ext>
     <p:ext uri="http://customooxmlschemas.google.com/">
-      <go:slidesCustomData xmlns:go="http://customooxmlschemas.google.com/" xmlns:ahyp="http://schemas.microsoft.com/office/drawing/2018/hyperlinkcolor" xmlns:p15="http://schemas.microsoft.com/office/powerpoint/2012/main" xmlns:p14="http://schemas.microsoft.com/office/powerpoint/2010/main" xmlns:com="http://schemas.openxmlformats.org/drawingml/2006/compatibility" xmlns:pvml="urn:schemas-microsoft-com:office:powerpoint" xmlns:v="urn:schemas-microsoft-com:vml" xmlns:o="urn:schemas-microsoft-com:office:office" xmlns:dgm="http://schemas.openxmlformats.org/drawingml/2006/diagram" xmlns:c="http://schemas.openxmlformats.org/drawingml/2006/chart" xmlns:mv="urn:schemas-microsoft-com:mac:vml" xmlns:mc="http://schemas.openxmlformats.org/markup-compatibility/2006" xmlns="" r:id="rId12" roundtripDataSignature="AMtx7mj9Ic0Cos0+1WxzYeHFBp4wMVEnvg=="/>
+      <go:slidesCustomData xmlns="" xmlns:mc="http://schemas.openxmlformats.org/markup-compatibility/2006" xmlns:mv="urn:schemas-microsoft-com:mac:vml" xmlns:c="http://schemas.openxmlformats.org/drawingml/2006/chart" xmlns:dgm="http://schemas.openxmlformats.org/drawingml/2006/diagram" xmlns:o="urn:schemas-microsoft-com:office:office" xmlns:v="urn:schemas-microsoft-com:vml" xmlns:pvml="urn:schemas-microsoft-com:office:powerpoint" xmlns:com="http://schemas.openxmlformats.org/drawingml/2006/compatibility" xmlns:p14="http://schemas.microsoft.com/office/powerpoint/2010/main" xmlns:p15="http://schemas.microsoft.com/office/powerpoint/2012/main" xmlns:ahyp="http://schemas.microsoft.com/office/drawing/2018/hyperlinkcolor" xmlns:go="http://customooxmlschemas.google.com/" r:id="rId12" roundtripDataSignature="AMtx7mj9Ic0Cos0+1WxzYeHFBp4wMVEnvg=="/>
     </p:ext>
   </p:extLst>
 </p:presentation>
@@ -11629,7 +11629,43 @@
                 <a:ea typeface="Arial" panose="020B0604020202020204" pitchFamily="34" charset="0"/>
                 <a:cs typeface="+mn-cs"/>
               </a:rPr>
-              <a:t> Payments for Ecosystem Services, Reforestation and Rural Livelihoods</a:t>
+              <a:t> Rural Poverty Alleviation and </a:t>
+            </a:r>
+          </a:p>
+          <a:p>
+            <a:pPr marL="114300" marR="114300" lvl="0" indent="0" algn="ctr" defTabSz="457200" rtl="0" eaLnBrk="1" fontAlgn="auto" latinLnBrk="0" hangingPunct="1">
+              <a:lnSpc>
+                <a:spcPct val="100000"/>
+              </a:lnSpc>
+              <a:spcBef>
+                <a:spcPts val="0"/>
+              </a:spcBef>
+              <a:spcAft>
+                <a:spcPts val="0"/>
+              </a:spcAft>
+              <a:buClrTx/>
+              <a:buSzTx/>
+              <a:buFontTx/>
+              <a:buNone/>
+              <a:tabLst/>
+              <a:defRPr/>
+            </a:pPr>
+            <a:r>
+              <a:rPr kumimoji="0" lang="en-US" sz="2800" b="1" i="0" u="none" strike="noStrike" kern="1200" cap="none" spc="0" normalizeH="0" baseline="0" noProof="0" dirty="0">
+                <a:ln>
+                  <a:noFill/>
+                </a:ln>
+                <a:solidFill>
+                  <a:schemeClr val="tx1"/>
+                </a:solidFill>
+                <a:effectLst/>
+                <a:uLnTx/>
+                <a:uFillTx/>
+                <a:latin typeface="LM Roman 12" panose="00000500000000000000" pitchFamily="50" charset="0"/>
+                <a:ea typeface="Arial" panose="020B0604020202020204" pitchFamily="34" charset="0"/>
+                <a:cs typeface="+mn-cs"/>
+              </a:rPr>
+              <a:t>Forest Conservation</a:t>
             </a:r>
           </a:p>
         </p:txBody>
